--- a/presentationForFutureStudents/presentationFutureStudents.pptx
+++ b/presentationForFutureStudents/presentationFutureStudents.pptx
@@ -5,7 +5,7 @@
     <p:sldMasterId id="2147483648" r:id="rId1"/>
   </p:sldMasterIdLst>
   <p:notesMasterIdLst>
-    <p:notesMasterId r:id="rId8"/>
+    <p:notesMasterId r:id="rId9"/>
   </p:notesMasterIdLst>
   <p:sldIdLst>
     <p:sldId id="256" r:id="rId2"/>
@@ -13,7 +13,8 @@
     <p:sldId id="278" r:id="rId4"/>
     <p:sldId id="279" r:id="rId5"/>
     <p:sldId id="280" r:id="rId6"/>
-    <p:sldId id="281" r:id="rId7"/>
+    <p:sldId id="282" r:id="rId7"/>
+    <p:sldId id="281" r:id="rId8"/>
   </p:sldIdLst>
   <p:sldSz cx="12192000" cy="6858000"/>
   <p:notesSz cx="6858000" cy="9144000"/>
@@ -122,6 +123,7 @@
             <p14:sldId id="278"/>
             <p14:sldId id="279"/>
             <p14:sldId id="280"/>
+            <p14:sldId id="282"/>
             <p14:sldId id="281"/>
           </p14:sldIdLst>
         </p14:section>
@@ -860,7 +862,7 @@
           <a:p>
             <a:fld id="{9CDC8AA7-8D38-46C0-86D3-87BDB8133F92}" type="datetimeFigureOut">
               <a:rPr lang="de-DE" smtClean="0"/>
-              <a:t>10.03.2020</a:t>
+              <a:t>14.03.2020</a:t>
             </a:fld>
             <a:endParaRPr lang="de-DE"/>
           </a:p>
@@ -1018,7 +1020,7 @@
           <a:p>
             <a:fld id="{10D08ABD-147D-43D8-AD0E-C56070E2C69D}" type="slidenum">
               <a:rPr lang="de-DE" smtClean="0"/>
-              <a:t>‹Nr.›</a:t>
+              <a:t>‹N°›</a:t>
             </a:fld>
             <a:endParaRPr lang="de-DE"/>
           </a:p>
@@ -1236,7 +1238,7 @@
           <p:cNvPr id="2" name="Titel 1">
             <a:extLst>
               <a:ext uri="{FF2B5EF4-FFF2-40B4-BE49-F238E27FC236}">
-                <a16:creationId xmlns:a16="http://schemas.microsoft.com/office/drawing/2014/main" id="{701EABE2-81DB-4A57-87BD-BAC9B81DA953}"/>
+                <a16:creationId xmlns:a16="http://schemas.microsoft.com/office/drawing/2014/main" xmlns="" id="{701EABE2-81DB-4A57-87BD-BAC9B81DA953}"/>
               </a:ext>
             </a:extLst>
           </p:cNvPr>
@@ -1273,7 +1275,7 @@
           <p:cNvPr id="3" name="Untertitel 2">
             <a:extLst>
               <a:ext uri="{FF2B5EF4-FFF2-40B4-BE49-F238E27FC236}">
-                <a16:creationId xmlns:a16="http://schemas.microsoft.com/office/drawing/2014/main" id="{9E44B19B-9953-4462-B98C-34C559DFD4BA}"/>
+                <a16:creationId xmlns:a16="http://schemas.microsoft.com/office/drawing/2014/main" xmlns="" id="{9E44B19B-9953-4462-B98C-34C559DFD4BA}"/>
               </a:ext>
             </a:extLst>
           </p:cNvPr>
@@ -1343,7 +1345,7 @@
           <p:cNvPr id="4" name="Datumsplatzhalter 3">
             <a:extLst>
               <a:ext uri="{FF2B5EF4-FFF2-40B4-BE49-F238E27FC236}">
-                <a16:creationId xmlns:a16="http://schemas.microsoft.com/office/drawing/2014/main" id="{85282A0B-87AA-4F5C-9252-AB7E74ABF29B}"/>
+                <a16:creationId xmlns:a16="http://schemas.microsoft.com/office/drawing/2014/main" xmlns="" id="{85282A0B-87AA-4F5C-9252-AB7E74ABF29B}"/>
               </a:ext>
             </a:extLst>
           </p:cNvPr>
@@ -1361,7 +1363,7 @@
           <a:p>
             <a:fld id="{0BE53A1E-06E4-4C2E-89F2-9370B10FF3AC}" type="datetime1">
               <a:rPr lang="de-DE" smtClean="0"/>
-              <a:t>10.03.2020</a:t>
+              <a:t>14.03.2020</a:t>
             </a:fld>
             <a:endParaRPr lang="de-DE" dirty="0"/>
           </a:p>
@@ -1372,7 +1374,7 @@
           <p:cNvPr id="5" name="Fußzeilenplatzhalter 4">
             <a:extLst>
               <a:ext uri="{FF2B5EF4-FFF2-40B4-BE49-F238E27FC236}">
-                <a16:creationId xmlns:a16="http://schemas.microsoft.com/office/drawing/2014/main" id="{CCE46F71-BCF6-41F3-8C17-381DF36140FE}"/>
+                <a16:creationId xmlns:a16="http://schemas.microsoft.com/office/drawing/2014/main" xmlns="" id="{CCE46F71-BCF6-41F3-8C17-381DF36140FE}"/>
               </a:ext>
             </a:extLst>
           </p:cNvPr>
@@ -1405,7 +1407,7 @@
           <p:cNvPr id="6" name="Foliennummernplatzhalter 5">
             <a:extLst>
               <a:ext uri="{FF2B5EF4-FFF2-40B4-BE49-F238E27FC236}">
-                <a16:creationId xmlns:a16="http://schemas.microsoft.com/office/drawing/2014/main" id="{DF41A37E-A33B-4798-9922-3B8B5AE5A27B}"/>
+                <a16:creationId xmlns:a16="http://schemas.microsoft.com/office/drawing/2014/main" xmlns="" id="{DF41A37E-A33B-4798-9922-3B8B5AE5A27B}"/>
               </a:ext>
             </a:extLst>
           </p:cNvPr>
@@ -1431,7 +1433,7 @@
           <a:p>
             <a:fld id="{9A48FC86-4651-46AF-9E4A-D3FC30E17613}" type="slidenum">
               <a:rPr lang="de-DE" smtClean="0"/>
-              <a:t>‹Nr.›</a:t>
+              <a:t>‹N°›</a:t>
             </a:fld>
             <a:endParaRPr lang="de-DE"/>
           </a:p>
@@ -1472,7 +1474,7 @@
           <p:cNvPr id="2" name="Titel 1">
             <a:extLst>
               <a:ext uri="{FF2B5EF4-FFF2-40B4-BE49-F238E27FC236}">
-                <a16:creationId xmlns:a16="http://schemas.microsoft.com/office/drawing/2014/main" id="{FCE4A30D-3A8C-4B77-B82E-724CCF54EFD5}"/>
+                <a16:creationId xmlns:a16="http://schemas.microsoft.com/office/drawing/2014/main" xmlns="" id="{FCE4A30D-3A8C-4B77-B82E-724CCF54EFD5}"/>
               </a:ext>
             </a:extLst>
           </p:cNvPr>
@@ -1500,7 +1502,7 @@
           <p:cNvPr id="3" name="Vertikaler Textplatzhalter 2">
             <a:extLst>
               <a:ext uri="{FF2B5EF4-FFF2-40B4-BE49-F238E27FC236}">
-                <a16:creationId xmlns:a16="http://schemas.microsoft.com/office/drawing/2014/main" id="{D0312C4C-DD67-420D-AE80-FBF20CAD00FE}"/>
+                <a16:creationId xmlns:a16="http://schemas.microsoft.com/office/drawing/2014/main" xmlns="" id="{D0312C4C-DD67-420D-AE80-FBF20CAD00FE}"/>
               </a:ext>
             </a:extLst>
           </p:cNvPr>
@@ -1557,7 +1559,7 @@
           <p:cNvPr id="4" name="Datumsplatzhalter 3">
             <a:extLst>
               <a:ext uri="{FF2B5EF4-FFF2-40B4-BE49-F238E27FC236}">
-                <a16:creationId xmlns:a16="http://schemas.microsoft.com/office/drawing/2014/main" id="{752D94C2-424D-4096-8FAE-F12A3D4A5C7D}"/>
+                <a16:creationId xmlns:a16="http://schemas.microsoft.com/office/drawing/2014/main" xmlns="" id="{752D94C2-424D-4096-8FAE-F12A3D4A5C7D}"/>
               </a:ext>
             </a:extLst>
           </p:cNvPr>
@@ -1575,7 +1577,7 @@
           <a:p>
             <a:fld id="{97DCCE8C-7C19-4CE2-849C-730D9D984115}" type="datetime1">
               <a:rPr lang="de-DE" smtClean="0"/>
-              <a:t>10.03.2020</a:t>
+              <a:t>14.03.2020</a:t>
             </a:fld>
             <a:endParaRPr lang="de-DE"/>
           </a:p>
@@ -1586,7 +1588,7 @@
           <p:cNvPr id="5" name="Fußzeilenplatzhalter 4">
             <a:extLst>
               <a:ext uri="{FF2B5EF4-FFF2-40B4-BE49-F238E27FC236}">
-                <a16:creationId xmlns:a16="http://schemas.microsoft.com/office/drawing/2014/main" id="{02BB29D6-C358-4D1F-90A7-5282C5CF3A2B}"/>
+                <a16:creationId xmlns:a16="http://schemas.microsoft.com/office/drawing/2014/main" xmlns="" id="{02BB29D6-C358-4D1F-90A7-5282C5CF3A2B}"/>
               </a:ext>
             </a:extLst>
           </p:cNvPr>
@@ -1614,7 +1616,7 @@
           <p:cNvPr id="6" name="Foliennummernplatzhalter 5">
             <a:extLst>
               <a:ext uri="{FF2B5EF4-FFF2-40B4-BE49-F238E27FC236}">
-                <a16:creationId xmlns:a16="http://schemas.microsoft.com/office/drawing/2014/main" id="{AE9CFC43-FC34-49A0-9C58-C1BA7EAB4CD1}"/>
+                <a16:creationId xmlns:a16="http://schemas.microsoft.com/office/drawing/2014/main" xmlns="" id="{AE9CFC43-FC34-49A0-9C58-C1BA7EAB4CD1}"/>
               </a:ext>
             </a:extLst>
           </p:cNvPr>
@@ -1640,7 +1642,7 @@
           <a:p>
             <a:fld id="{9A48FC86-4651-46AF-9E4A-D3FC30E17613}" type="slidenum">
               <a:rPr lang="de-DE" smtClean="0"/>
-              <a:t>‹Nr.›</a:t>
+              <a:t>‹N°›</a:t>
             </a:fld>
             <a:endParaRPr lang="de-DE"/>
           </a:p>
@@ -1681,7 +1683,7 @@
           <p:cNvPr id="2" name="Vertikaler Titel 1">
             <a:extLst>
               <a:ext uri="{FF2B5EF4-FFF2-40B4-BE49-F238E27FC236}">
-                <a16:creationId xmlns:a16="http://schemas.microsoft.com/office/drawing/2014/main" id="{C6AE7126-CFA4-458D-B5F5-AA476ABB117D}"/>
+                <a16:creationId xmlns:a16="http://schemas.microsoft.com/office/drawing/2014/main" xmlns="" id="{C6AE7126-CFA4-458D-B5F5-AA476ABB117D}"/>
               </a:ext>
             </a:extLst>
           </p:cNvPr>
@@ -1714,7 +1716,7 @@
           <p:cNvPr id="3" name="Vertikaler Textplatzhalter 2">
             <a:extLst>
               <a:ext uri="{FF2B5EF4-FFF2-40B4-BE49-F238E27FC236}">
-                <a16:creationId xmlns:a16="http://schemas.microsoft.com/office/drawing/2014/main" id="{E4719945-B69E-4CB7-AF62-A8E248C097C4}"/>
+                <a16:creationId xmlns:a16="http://schemas.microsoft.com/office/drawing/2014/main" xmlns="" id="{E4719945-B69E-4CB7-AF62-A8E248C097C4}"/>
               </a:ext>
             </a:extLst>
           </p:cNvPr>
@@ -1776,7 +1778,7 @@
           <p:cNvPr id="4" name="Datumsplatzhalter 3">
             <a:extLst>
               <a:ext uri="{FF2B5EF4-FFF2-40B4-BE49-F238E27FC236}">
-                <a16:creationId xmlns:a16="http://schemas.microsoft.com/office/drawing/2014/main" id="{194C9456-1825-45D5-AFC8-7437C4E58D48}"/>
+                <a16:creationId xmlns:a16="http://schemas.microsoft.com/office/drawing/2014/main" xmlns="" id="{194C9456-1825-45D5-AFC8-7437C4E58D48}"/>
               </a:ext>
             </a:extLst>
           </p:cNvPr>
@@ -1794,7 +1796,7 @@
           <a:p>
             <a:fld id="{221A1AFA-2D7A-4A35-B2E9-5179FAD91C9A}" type="datetime1">
               <a:rPr lang="de-DE" smtClean="0"/>
-              <a:t>10.03.2020</a:t>
+              <a:t>14.03.2020</a:t>
             </a:fld>
             <a:endParaRPr lang="de-DE"/>
           </a:p>
@@ -1805,7 +1807,7 @@
           <p:cNvPr id="5" name="Fußzeilenplatzhalter 4">
             <a:extLst>
               <a:ext uri="{FF2B5EF4-FFF2-40B4-BE49-F238E27FC236}">
-                <a16:creationId xmlns:a16="http://schemas.microsoft.com/office/drawing/2014/main" id="{0B1CC9B3-FE3E-4DC0-B71D-312C93D1814D}"/>
+                <a16:creationId xmlns:a16="http://schemas.microsoft.com/office/drawing/2014/main" xmlns="" id="{0B1CC9B3-FE3E-4DC0-B71D-312C93D1814D}"/>
               </a:ext>
             </a:extLst>
           </p:cNvPr>
@@ -1833,7 +1835,7 @@
           <p:cNvPr id="6" name="Foliennummernplatzhalter 5">
             <a:extLst>
               <a:ext uri="{FF2B5EF4-FFF2-40B4-BE49-F238E27FC236}">
-                <a16:creationId xmlns:a16="http://schemas.microsoft.com/office/drawing/2014/main" id="{41E050D8-C164-4E85-94F4-BA2B19D46D58}"/>
+                <a16:creationId xmlns:a16="http://schemas.microsoft.com/office/drawing/2014/main" xmlns="" id="{41E050D8-C164-4E85-94F4-BA2B19D46D58}"/>
               </a:ext>
             </a:extLst>
           </p:cNvPr>
@@ -1859,7 +1861,7 @@
           <a:p>
             <a:fld id="{9A48FC86-4651-46AF-9E4A-D3FC30E17613}" type="slidenum">
               <a:rPr lang="de-DE" smtClean="0"/>
-              <a:t>‹Nr.›</a:t>
+              <a:t>‹N°›</a:t>
             </a:fld>
             <a:endParaRPr lang="de-DE"/>
           </a:p>
@@ -1900,7 +1902,7 @@
           <p:cNvPr id="2" name="Titel 1">
             <a:extLst>
               <a:ext uri="{FF2B5EF4-FFF2-40B4-BE49-F238E27FC236}">
-                <a16:creationId xmlns:a16="http://schemas.microsoft.com/office/drawing/2014/main" id="{C9100C2D-6625-4AF5-8937-424086BE0285}"/>
+                <a16:creationId xmlns:a16="http://schemas.microsoft.com/office/drawing/2014/main" xmlns="" id="{C9100C2D-6625-4AF5-8937-424086BE0285}"/>
               </a:ext>
             </a:extLst>
           </p:cNvPr>
@@ -1928,7 +1930,7 @@
           <p:cNvPr id="3" name="Inhaltsplatzhalter 2">
             <a:extLst>
               <a:ext uri="{FF2B5EF4-FFF2-40B4-BE49-F238E27FC236}">
-                <a16:creationId xmlns:a16="http://schemas.microsoft.com/office/drawing/2014/main" id="{38D1AAA1-BE3D-4A43-91C4-A2C3C6173375}"/>
+                <a16:creationId xmlns:a16="http://schemas.microsoft.com/office/drawing/2014/main" xmlns="" id="{38D1AAA1-BE3D-4A43-91C4-A2C3C6173375}"/>
               </a:ext>
             </a:extLst>
           </p:cNvPr>
@@ -1985,7 +1987,7 @@
           <p:cNvPr id="4" name="Datumsplatzhalter 3">
             <a:extLst>
               <a:ext uri="{FF2B5EF4-FFF2-40B4-BE49-F238E27FC236}">
-                <a16:creationId xmlns:a16="http://schemas.microsoft.com/office/drawing/2014/main" id="{48884C8B-06F5-44CC-B1D1-2A02463EC226}"/>
+                <a16:creationId xmlns:a16="http://schemas.microsoft.com/office/drawing/2014/main" xmlns="" id="{48884C8B-06F5-44CC-B1D1-2A02463EC226}"/>
               </a:ext>
             </a:extLst>
           </p:cNvPr>
@@ -2003,7 +2005,7 @@
           <a:p>
             <a:fld id="{C0D11AC0-B5D5-4B5F-9ECB-B7E6CF8984ED}" type="datetime1">
               <a:rPr lang="de-DE" smtClean="0"/>
-              <a:t>10.03.2020</a:t>
+              <a:t>14.03.2020</a:t>
             </a:fld>
             <a:endParaRPr lang="de-DE"/>
           </a:p>
@@ -2014,7 +2016,7 @@
           <p:cNvPr id="5" name="Fußzeilenplatzhalter 4">
             <a:extLst>
               <a:ext uri="{FF2B5EF4-FFF2-40B4-BE49-F238E27FC236}">
-                <a16:creationId xmlns:a16="http://schemas.microsoft.com/office/drawing/2014/main" id="{2EE480CA-0EC1-4AF7-9F30-F143FE83D99B}"/>
+                <a16:creationId xmlns:a16="http://schemas.microsoft.com/office/drawing/2014/main" xmlns="" id="{2EE480CA-0EC1-4AF7-9F30-F143FE83D99B}"/>
               </a:ext>
             </a:extLst>
           </p:cNvPr>
@@ -2047,7 +2049,7 @@
           <p:cNvPr id="6" name="Foliennummernplatzhalter 5">
             <a:extLst>
               <a:ext uri="{FF2B5EF4-FFF2-40B4-BE49-F238E27FC236}">
-                <a16:creationId xmlns:a16="http://schemas.microsoft.com/office/drawing/2014/main" id="{13337EC3-94DD-4B09-A484-F0141C1CB8B0}"/>
+                <a16:creationId xmlns:a16="http://schemas.microsoft.com/office/drawing/2014/main" xmlns="" id="{13337EC3-94DD-4B09-A484-F0141C1CB8B0}"/>
               </a:ext>
             </a:extLst>
           </p:cNvPr>
@@ -2073,7 +2075,7 @@
           <a:p>
             <a:fld id="{9A48FC86-4651-46AF-9E4A-D3FC30E17613}" type="slidenum">
               <a:rPr lang="de-DE" smtClean="0"/>
-              <a:t>‹Nr.›</a:t>
+              <a:t>‹N°›</a:t>
             </a:fld>
             <a:endParaRPr lang="de-DE"/>
           </a:p>
@@ -2114,7 +2116,7 @@
           <p:cNvPr id="2" name="Titel 1">
             <a:extLst>
               <a:ext uri="{FF2B5EF4-FFF2-40B4-BE49-F238E27FC236}">
-                <a16:creationId xmlns:a16="http://schemas.microsoft.com/office/drawing/2014/main" id="{CBDD584A-A976-4556-9716-DA9197EACC6F}"/>
+                <a16:creationId xmlns:a16="http://schemas.microsoft.com/office/drawing/2014/main" xmlns="" id="{CBDD584A-A976-4556-9716-DA9197EACC6F}"/>
               </a:ext>
             </a:extLst>
           </p:cNvPr>
@@ -2151,7 +2153,7 @@
           <p:cNvPr id="3" name="Textplatzhalter 2">
             <a:extLst>
               <a:ext uri="{FF2B5EF4-FFF2-40B4-BE49-F238E27FC236}">
-                <a16:creationId xmlns:a16="http://schemas.microsoft.com/office/drawing/2014/main" id="{C713F004-8C3B-4899-9F30-C6CC20E50B36}"/>
+                <a16:creationId xmlns:a16="http://schemas.microsoft.com/office/drawing/2014/main" xmlns="" id="{C713F004-8C3B-4899-9F30-C6CC20E50B36}"/>
               </a:ext>
             </a:extLst>
           </p:cNvPr>
@@ -2276,7 +2278,7 @@
           <p:cNvPr id="4" name="Datumsplatzhalter 3">
             <a:extLst>
               <a:ext uri="{FF2B5EF4-FFF2-40B4-BE49-F238E27FC236}">
-                <a16:creationId xmlns:a16="http://schemas.microsoft.com/office/drawing/2014/main" id="{B300BECA-2226-430E-B31A-3A70D7FB0DD4}"/>
+                <a16:creationId xmlns:a16="http://schemas.microsoft.com/office/drawing/2014/main" xmlns="" id="{B300BECA-2226-430E-B31A-3A70D7FB0DD4}"/>
               </a:ext>
             </a:extLst>
           </p:cNvPr>
@@ -2294,7 +2296,7 @@
           <a:p>
             <a:fld id="{0123EED1-A1E1-4DB9-BAD8-427B5E5A78DA}" type="datetime1">
               <a:rPr lang="de-DE" smtClean="0"/>
-              <a:t>10.03.2020</a:t>
+              <a:t>14.03.2020</a:t>
             </a:fld>
             <a:endParaRPr lang="de-DE"/>
           </a:p>
@@ -2305,7 +2307,7 @@
           <p:cNvPr id="5" name="Fußzeilenplatzhalter 4">
             <a:extLst>
               <a:ext uri="{FF2B5EF4-FFF2-40B4-BE49-F238E27FC236}">
-                <a16:creationId xmlns:a16="http://schemas.microsoft.com/office/drawing/2014/main" id="{9D2C0B24-C4C7-4E3E-A30D-AD2B22A8CAC5}"/>
+                <a16:creationId xmlns:a16="http://schemas.microsoft.com/office/drawing/2014/main" xmlns="" id="{9D2C0B24-C4C7-4E3E-A30D-AD2B22A8CAC5}"/>
               </a:ext>
             </a:extLst>
           </p:cNvPr>
@@ -2338,7 +2340,7 @@
           <p:cNvPr id="6" name="Foliennummernplatzhalter 5">
             <a:extLst>
               <a:ext uri="{FF2B5EF4-FFF2-40B4-BE49-F238E27FC236}">
-                <a16:creationId xmlns:a16="http://schemas.microsoft.com/office/drawing/2014/main" id="{15EF3485-89F1-47E8-AB99-914FE8775138}"/>
+                <a16:creationId xmlns:a16="http://schemas.microsoft.com/office/drawing/2014/main" xmlns="" id="{15EF3485-89F1-47E8-AB99-914FE8775138}"/>
               </a:ext>
             </a:extLst>
           </p:cNvPr>
@@ -2364,7 +2366,7 @@
           <a:p>
             <a:fld id="{9A48FC86-4651-46AF-9E4A-D3FC30E17613}" type="slidenum">
               <a:rPr lang="de-DE" smtClean="0"/>
-              <a:t>‹Nr.›</a:t>
+              <a:t>‹N°›</a:t>
             </a:fld>
             <a:endParaRPr lang="de-DE"/>
           </a:p>
@@ -2405,7 +2407,7 @@
           <p:cNvPr id="2" name="Titel 1">
             <a:extLst>
               <a:ext uri="{FF2B5EF4-FFF2-40B4-BE49-F238E27FC236}">
-                <a16:creationId xmlns:a16="http://schemas.microsoft.com/office/drawing/2014/main" id="{6B45D284-4E4F-4976-80EC-400821F99BCF}"/>
+                <a16:creationId xmlns:a16="http://schemas.microsoft.com/office/drawing/2014/main" xmlns="" id="{6B45D284-4E4F-4976-80EC-400821F99BCF}"/>
               </a:ext>
             </a:extLst>
           </p:cNvPr>
@@ -2433,7 +2435,7 @@
           <p:cNvPr id="3" name="Inhaltsplatzhalter 2">
             <a:extLst>
               <a:ext uri="{FF2B5EF4-FFF2-40B4-BE49-F238E27FC236}">
-                <a16:creationId xmlns:a16="http://schemas.microsoft.com/office/drawing/2014/main" id="{61C980E4-B51F-4860-A848-EB6955BA36AF}"/>
+                <a16:creationId xmlns:a16="http://schemas.microsoft.com/office/drawing/2014/main" xmlns="" id="{61C980E4-B51F-4860-A848-EB6955BA36AF}"/>
               </a:ext>
             </a:extLst>
           </p:cNvPr>
@@ -2495,7 +2497,7 @@
           <p:cNvPr id="4" name="Inhaltsplatzhalter 3">
             <a:extLst>
               <a:ext uri="{FF2B5EF4-FFF2-40B4-BE49-F238E27FC236}">
-                <a16:creationId xmlns:a16="http://schemas.microsoft.com/office/drawing/2014/main" id="{8D7C296F-6044-4CF6-BBE5-CEA4560EEEB9}"/>
+                <a16:creationId xmlns:a16="http://schemas.microsoft.com/office/drawing/2014/main" xmlns="" id="{8D7C296F-6044-4CF6-BBE5-CEA4560EEEB9}"/>
               </a:ext>
             </a:extLst>
           </p:cNvPr>
@@ -2557,7 +2559,7 @@
           <p:cNvPr id="5" name="Datumsplatzhalter 4">
             <a:extLst>
               <a:ext uri="{FF2B5EF4-FFF2-40B4-BE49-F238E27FC236}">
-                <a16:creationId xmlns:a16="http://schemas.microsoft.com/office/drawing/2014/main" id="{F87A09FB-245D-407E-94D1-C81BBB221DC2}"/>
+                <a16:creationId xmlns:a16="http://schemas.microsoft.com/office/drawing/2014/main" xmlns="" id="{F87A09FB-245D-407E-94D1-C81BBB221DC2}"/>
               </a:ext>
             </a:extLst>
           </p:cNvPr>
@@ -2575,7 +2577,7 @@
           <a:p>
             <a:fld id="{C0292DAF-4A36-4066-A6DB-535EF8475358}" type="datetime1">
               <a:rPr lang="de-DE" smtClean="0"/>
-              <a:t>10.03.2020</a:t>
+              <a:t>14.03.2020</a:t>
             </a:fld>
             <a:endParaRPr lang="de-DE"/>
           </a:p>
@@ -2586,7 +2588,7 @@
           <p:cNvPr id="6" name="Fußzeilenplatzhalter 5">
             <a:extLst>
               <a:ext uri="{FF2B5EF4-FFF2-40B4-BE49-F238E27FC236}">
-                <a16:creationId xmlns:a16="http://schemas.microsoft.com/office/drawing/2014/main" id="{7713AD3F-FB16-4761-97DD-7D2895FBAF79}"/>
+                <a16:creationId xmlns:a16="http://schemas.microsoft.com/office/drawing/2014/main" xmlns="" id="{7713AD3F-FB16-4761-97DD-7D2895FBAF79}"/>
               </a:ext>
             </a:extLst>
           </p:cNvPr>
@@ -2619,7 +2621,7 @@
           <p:cNvPr id="7" name="Foliennummernplatzhalter 6">
             <a:extLst>
               <a:ext uri="{FF2B5EF4-FFF2-40B4-BE49-F238E27FC236}">
-                <a16:creationId xmlns:a16="http://schemas.microsoft.com/office/drawing/2014/main" id="{E08B0646-8FC5-4829-A454-55B654DBA3C4}"/>
+                <a16:creationId xmlns:a16="http://schemas.microsoft.com/office/drawing/2014/main" xmlns="" id="{E08B0646-8FC5-4829-A454-55B654DBA3C4}"/>
               </a:ext>
             </a:extLst>
           </p:cNvPr>
@@ -2645,7 +2647,7 @@
           <a:p>
             <a:fld id="{9A48FC86-4651-46AF-9E4A-D3FC30E17613}" type="slidenum">
               <a:rPr lang="de-DE" smtClean="0"/>
-              <a:t>‹Nr.›</a:t>
+              <a:t>‹N°›</a:t>
             </a:fld>
             <a:endParaRPr lang="de-DE"/>
           </a:p>
@@ -2686,7 +2688,7 @@
           <p:cNvPr id="2" name="Titel 1">
             <a:extLst>
               <a:ext uri="{FF2B5EF4-FFF2-40B4-BE49-F238E27FC236}">
-                <a16:creationId xmlns:a16="http://schemas.microsoft.com/office/drawing/2014/main" id="{87FFCFA6-D29A-4DD6-8A93-5742D6DB0521}"/>
+                <a16:creationId xmlns:a16="http://schemas.microsoft.com/office/drawing/2014/main" xmlns="" id="{87FFCFA6-D29A-4DD6-8A93-5742D6DB0521}"/>
               </a:ext>
             </a:extLst>
           </p:cNvPr>
@@ -2719,7 +2721,7 @@
           <p:cNvPr id="3" name="Textplatzhalter 2">
             <a:extLst>
               <a:ext uri="{FF2B5EF4-FFF2-40B4-BE49-F238E27FC236}">
-                <a16:creationId xmlns:a16="http://schemas.microsoft.com/office/drawing/2014/main" id="{52A062D5-F9A3-40F3-940E-784410DB79B5}"/>
+                <a16:creationId xmlns:a16="http://schemas.microsoft.com/office/drawing/2014/main" xmlns="" id="{52A062D5-F9A3-40F3-940E-784410DB79B5}"/>
               </a:ext>
             </a:extLst>
           </p:cNvPr>
@@ -2790,7 +2792,7 @@
           <p:cNvPr id="4" name="Inhaltsplatzhalter 3">
             <a:extLst>
               <a:ext uri="{FF2B5EF4-FFF2-40B4-BE49-F238E27FC236}">
-                <a16:creationId xmlns:a16="http://schemas.microsoft.com/office/drawing/2014/main" id="{0F2C725F-CDA6-419C-9990-237B92011EB3}"/>
+                <a16:creationId xmlns:a16="http://schemas.microsoft.com/office/drawing/2014/main" xmlns="" id="{0F2C725F-CDA6-419C-9990-237B92011EB3}"/>
               </a:ext>
             </a:extLst>
           </p:cNvPr>
@@ -2852,7 +2854,7 @@
           <p:cNvPr id="5" name="Textplatzhalter 4">
             <a:extLst>
               <a:ext uri="{FF2B5EF4-FFF2-40B4-BE49-F238E27FC236}">
-                <a16:creationId xmlns:a16="http://schemas.microsoft.com/office/drawing/2014/main" id="{57D0AB86-7ACC-4F81-BA1E-EABC81375E4C}"/>
+                <a16:creationId xmlns:a16="http://schemas.microsoft.com/office/drawing/2014/main" xmlns="" id="{57D0AB86-7ACC-4F81-BA1E-EABC81375E4C}"/>
               </a:ext>
             </a:extLst>
           </p:cNvPr>
@@ -2923,7 +2925,7 @@
           <p:cNvPr id="6" name="Inhaltsplatzhalter 5">
             <a:extLst>
               <a:ext uri="{FF2B5EF4-FFF2-40B4-BE49-F238E27FC236}">
-                <a16:creationId xmlns:a16="http://schemas.microsoft.com/office/drawing/2014/main" id="{1A5FCBEC-2F64-4023-881F-8C2D77F12391}"/>
+                <a16:creationId xmlns:a16="http://schemas.microsoft.com/office/drawing/2014/main" xmlns="" id="{1A5FCBEC-2F64-4023-881F-8C2D77F12391}"/>
               </a:ext>
             </a:extLst>
           </p:cNvPr>
@@ -2985,7 +2987,7 @@
           <p:cNvPr id="7" name="Datumsplatzhalter 6">
             <a:extLst>
               <a:ext uri="{FF2B5EF4-FFF2-40B4-BE49-F238E27FC236}">
-                <a16:creationId xmlns:a16="http://schemas.microsoft.com/office/drawing/2014/main" id="{1B579458-8146-4585-8116-8815B1984C10}"/>
+                <a16:creationId xmlns:a16="http://schemas.microsoft.com/office/drawing/2014/main" xmlns="" id="{1B579458-8146-4585-8116-8815B1984C10}"/>
               </a:ext>
             </a:extLst>
           </p:cNvPr>
@@ -3003,7 +3005,7 @@
           <a:p>
             <a:fld id="{082539BE-CECA-45E4-BBE9-22C1404E74AB}" type="datetime1">
               <a:rPr lang="de-DE" smtClean="0"/>
-              <a:t>10.03.2020</a:t>
+              <a:t>14.03.2020</a:t>
             </a:fld>
             <a:endParaRPr lang="de-DE"/>
           </a:p>
@@ -3014,7 +3016,7 @@
           <p:cNvPr id="8" name="Fußzeilenplatzhalter 7">
             <a:extLst>
               <a:ext uri="{FF2B5EF4-FFF2-40B4-BE49-F238E27FC236}">
-                <a16:creationId xmlns:a16="http://schemas.microsoft.com/office/drawing/2014/main" id="{B8FE971A-3252-4BEE-AE2A-ED9DD64D786C}"/>
+                <a16:creationId xmlns:a16="http://schemas.microsoft.com/office/drawing/2014/main" xmlns="" id="{B8FE971A-3252-4BEE-AE2A-ED9DD64D786C}"/>
               </a:ext>
             </a:extLst>
           </p:cNvPr>
@@ -3047,7 +3049,7 @@
           <p:cNvPr id="9" name="Foliennummernplatzhalter 8">
             <a:extLst>
               <a:ext uri="{FF2B5EF4-FFF2-40B4-BE49-F238E27FC236}">
-                <a16:creationId xmlns:a16="http://schemas.microsoft.com/office/drawing/2014/main" id="{224F811E-098E-42CD-BF79-561DBDB14DE9}"/>
+                <a16:creationId xmlns:a16="http://schemas.microsoft.com/office/drawing/2014/main" xmlns="" id="{224F811E-098E-42CD-BF79-561DBDB14DE9}"/>
               </a:ext>
             </a:extLst>
           </p:cNvPr>
@@ -3073,7 +3075,7 @@
           <a:p>
             <a:fld id="{9A48FC86-4651-46AF-9E4A-D3FC30E17613}" type="slidenum">
               <a:rPr lang="de-DE" smtClean="0"/>
-              <a:t>‹Nr.›</a:t>
+              <a:t>‹N°›</a:t>
             </a:fld>
             <a:endParaRPr lang="de-DE"/>
           </a:p>
@@ -3114,7 +3116,7 @@
           <p:cNvPr id="2" name="Titel 1">
             <a:extLst>
               <a:ext uri="{FF2B5EF4-FFF2-40B4-BE49-F238E27FC236}">
-                <a16:creationId xmlns:a16="http://schemas.microsoft.com/office/drawing/2014/main" id="{466DE76C-FB01-463F-B2AD-A897695D3F41}"/>
+                <a16:creationId xmlns:a16="http://schemas.microsoft.com/office/drawing/2014/main" xmlns="" id="{466DE76C-FB01-463F-B2AD-A897695D3F41}"/>
               </a:ext>
             </a:extLst>
           </p:cNvPr>
@@ -3142,7 +3144,7 @@
           <p:cNvPr id="3" name="Datumsplatzhalter 2">
             <a:extLst>
               <a:ext uri="{FF2B5EF4-FFF2-40B4-BE49-F238E27FC236}">
-                <a16:creationId xmlns:a16="http://schemas.microsoft.com/office/drawing/2014/main" id="{6F7936C0-FCFE-4A57-9E63-31F514892227}"/>
+                <a16:creationId xmlns:a16="http://schemas.microsoft.com/office/drawing/2014/main" xmlns="" id="{6F7936C0-FCFE-4A57-9E63-31F514892227}"/>
               </a:ext>
             </a:extLst>
           </p:cNvPr>
@@ -3160,7 +3162,7 @@
           <a:p>
             <a:fld id="{7AFFB96A-BCEB-45BA-8370-8CD7A48406BE}" type="datetime1">
               <a:rPr lang="de-DE" smtClean="0"/>
-              <a:t>10.03.2020</a:t>
+              <a:t>14.03.2020</a:t>
             </a:fld>
             <a:endParaRPr lang="de-DE"/>
           </a:p>
@@ -3171,7 +3173,7 @@
           <p:cNvPr id="4" name="Fußzeilenplatzhalter 3">
             <a:extLst>
               <a:ext uri="{FF2B5EF4-FFF2-40B4-BE49-F238E27FC236}">
-                <a16:creationId xmlns:a16="http://schemas.microsoft.com/office/drawing/2014/main" id="{BF4C0BEA-1F74-43B8-B16A-0B93A98AF74A}"/>
+                <a16:creationId xmlns:a16="http://schemas.microsoft.com/office/drawing/2014/main" xmlns="" id="{BF4C0BEA-1F74-43B8-B16A-0B93A98AF74A}"/>
               </a:ext>
             </a:extLst>
           </p:cNvPr>
@@ -3199,7 +3201,7 @@
           <p:cNvPr id="5" name="Foliennummernplatzhalter 4">
             <a:extLst>
               <a:ext uri="{FF2B5EF4-FFF2-40B4-BE49-F238E27FC236}">
-                <a16:creationId xmlns:a16="http://schemas.microsoft.com/office/drawing/2014/main" id="{FDC612F2-A418-4792-A4B4-C0ABBAAB10A0}"/>
+                <a16:creationId xmlns:a16="http://schemas.microsoft.com/office/drawing/2014/main" xmlns="" id="{FDC612F2-A418-4792-A4B4-C0ABBAAB10A0}"/>
               </a:ext>
             </a:extLst>
           </p:cNvPr>
@@ -3225,7 +3227,7 @@
           <a:p>
             <a:fld id="{9A48FC86-4651-46AF-9E4A-D3FC30E17613}" type="slidenum">
               <a:rPr lang="de-DE" smtClean="0"/>
-              <a:t>‹Nr.›</a:t>
+              <a:t>‹N°›</a:t>
             </a:fld>
             <a:endParaRPr lang="de-DE"/>
           </a:p>
@@ -3266,7 +3268,7 @@
           <p:cNvPr id="2" name="Datumsplatzhalter 1">
             <a:extLst>
               <a:ext uri="{FF2B5EF4-FFF2-40B4-BE49-F238E27FC236}">
-                <a16:creationId xmlns:a16="http://schemas.microsoft.com/office/drawing/2014/main" id="{F1A16BA6-C843-4946-87C4-F009F9659E53}"/>
+                <a16:creationId xmlns:a16="http://schemas.microsoft.com/office/drawing/2014/main" xmlns="" id="{F1A16BA6-C843-4946-87C4-F009F9659E53}"/>
               </a:ext>
             </a:extLst>
           </p:cNvPr>
@@ -3284,7 +3286,7 @@
           <a:p>
             <a:fld id="{DE3AD3D5-E4EA-4F9D-AD7B-23F76A457472}" type="datetime1">
               <a:rPr lang="de-DE" smtClean="0"/>
-              <a:t>10.03.2020</a:t>
+              <a:t>14.03.2020</a:t>
             </a:fld>
             <a:endParaRPr lang="de-DE"/>
           </a:p>
@@ -3295,7 +3297,7 @@
           <p:cNvPr id="3" name="Fußzeilenplatzhalter 2">
             <a:extLst>
               <a:ext uri="{FF2B5EF4-FFF2-40B4-BE49-F238E27FC236}">
-                <a16:creationId xmlns:a16="http://schemas.microsoft.com/office/drawing/2014/main" id="{74AD0BED-584B-4312-BC56-F22A5A97A8EA}"/>
+                <a16:creationId xmlns:a16="http://schemas.microsoft.com/office/drawing/2014/main" xmlns="" id="{74AD0BED-584B-4312-BC56-F22A5A97A8EA}"/>
               </a:ext>
             </a:extLst>
           </p:cNvPr>
@@ -3328,7 +3330,7 @@
           <p:cNvPr id="4" name="Foliennummernplatzhalter 3">
             <a:extLst>
               <a:ext uri="{FF2B5EF4-FFF2-40B4-BE49-F238E27FC236}">
-                <a16:creationId xmlns:a16="http://schemas.microsoft.com/office/drawing/2014/main" id="{ECAC19A7-F328-409E-92C0-6618959AF8AB}"/>
+                <a16:creationId xmlns:a16="http://schemas.microsoft.com/office/drawing/2014/main" xmlns="" id="{ECAC19A7-F328-409E-92C0-6618959AF8AB}"/>
               </a:ext>
             </a:extLst>
           </p:cNvPr>
@@ -3354,7 +3356,7 @@
           <a:p>
             <a:fld id="{9A48FC86-4651-46AF-9E4A-D3FC30E17613}" type="slidenum">
               <a:rPr lang="de-DE" smtClean="0"/>
-              <a:t>‹Nr.›</a:t>
+              <a:t>‹N°›</a:t>
             </a:fld>
             <a:endParaRPr lang="de-DE"/>
           </a:p>
@@ -3395,7 +3397,7 @@
           <p:cNvPr id="2" name="Titel 1">
             <a:extLst>
               <a:ext uri="{FF2B5EF4-FFF2-40B4-BE49-F238E27FC236}">
-                <a16:creationId xmlns:a16="http://schemas.microsoft.com/office/drawing/2014/main" id="{36B5D893-6A5A-4F5D-9559-23E40882374B}"/>
+                <a16:creationId xmlns:a16="http://schemas.microsoft.com/office/drawing/2014/main" xmlns="" id="{36B5D893-6A5A-4F5D-9559-23E40882374B}"/>
               </a:ext>
             </a:extLst>
           </p:cNvPr>
@@ -3432,7 +3434,7 @@
           <p:cNvPr id="3" name="Inhaltsplatzhalter 2">
             <a:extLst>
               <a:ext uri="{FF2B5EF4-FFF2-40B4-BE49-F238E27FC236}">
-                <a16:creationId xmlns:a16="http://schemas.microsoft.com/office/drawing/2014/main" id="{46211E4B-EF89-4D03-A97A-6EB546C0498D}"/>
+                <a16:creationId xmlns:a16="http://schemas.microsoft.com/office/drawing/2014/main" xmlns="" id="{46211E4B-EF89-4D03-A97A-6EB546C0498D}"/>
               </a:ext>
             </a:extLst>
           </p:cNvPr>
@@ -3522,7 +3524,7 @@
           <p:cNvPr id="4" name="Textplatzhalter 3">
             <a:extLst>
               <a:ext uri="{FF2B5EF4-FFF2-40B4-BE49-F238E27FC236}">
-                <a16:creationId xmlns:a16="http://schemas.microsoft.com/office/drawing/2014/main" id="{D4BEF54F-E067-4073-A803-29399235D78F}"/>
+                <a16:creationId xmlns:a16="http://schemas.microsoft.com/office/drawing/2014/main" xmlns="" id="{D4BEF54F-E067-4073-A803-29399235D78F}"/>
               </a:ext>
             </a:extLst>
           </p:cNvPr>
@@ -3593,7 +3595,7 @@
           <p:cNvPr id="5" name="Datumsplatzhalter 4">
             <a:extLst>
               <a:ext uri="{FF2B5EF4-FFF2-40B4-BE49-F238E27FC236}">
-                <a16:creationId xmlns:a16="http://schemas.microsoft.com/office/drawing/2014/main" id="{FF25F891-DBFE-4A5B-99B6-66F48C54174B}"/>
+                <a16:creationId xmlns:a16="http://schemas.microsoft.com/office/drawing/2014/main" xmlns="" id="{FF25F891-DBFE-4A5B-99B6-66F48C54174B}"/>
               </a:ext>
             </a:extLst>
           </p:cNvPr>
@@ -3611,7 +3613,7 @@
           <a:p>
             <a:fld id="{85B45B05-9F08-4563-869B-61599241AF1E}" type="datetime1">
               <a:rPr lang="de-DE" smtClean="0"/>
-              <a:t>10.03.2020</a:t>
+              <a:t>14.03.2020</a:t>
             </a:fld>
             <a:endParaRPr lang="de-DE"/>
           </a:p>
@@ -3622,7 +3624,7 @@
           <p:cNvPr id="6" name="Fußzeilenplatzhalter 5">
             <a:extLst>
               <a:ext uri="{FF2B5EF4-FFF2-40B4-BE49-F238E27FC236}">
-                <a16:creationId xmlns:a16="http://schemas.microsoft.com/office/drawing/2014/main" id="{C508CE39-F26E-4C31-84CD-D89EC83686D4}"/>
+                <a16:creationId xmlns:a16="http://schemas.microsoft.com/office/drawing/2014/main" xmlns="" id="{C508CE39-F26E-4C31-84CD-D89EC83686D4}"/>
               </a:ext>
             </a:extLst>
           </p:cNvPr>
@@ -3655,7 +3657,7 @@
           <p:cNvPr id="7" name="Foliennummernplatzhalter 6">
             <a:extLst>
               <a:ext uri="{FF2B5EF4-FFF2-40B4-BE49-F238E27FC236}">
-                <a16:creationId xmlns:a16="http://schemas.microsoft.com/office/drawing/2014/main" id="{5E1B48FE-614D-4BF1-8C39-73558F055C10}"/>
+                <a16:creationId xmlns:a16="http://schemas.microsoft.com/office/drawing/2014/main" xmlns="" id="{5E1B48FE-614D-4BF1-8C39-73558F055C10}"/>
               </a:ext>
             </a:extLst>
           </p:cNvPr>
@@ -3681,7 +3683,7 @@
           <a:p>
             <a:fld id="{9A48FC86-4651-46AF-9E4A-D3FC30E17613}" type="slidenum">
               <a:rPr lang="de-DE" smtClean="0"/>
-              <a:t>‹Nr.›</a:t>
+              <a:t>‹N°›</a:t>
             </a:fld>
             <a:endParaRPr lang="de-DE"/>
           </a:p>
@@ -3722,7 +3724,7 @@
           <p:cNvPr id="2" name="Titel 1">
             <a:extLst>
               <a:ext uri="{FF2B5EF4-FFF2-40B4-BE49-F238E27FC236}">
-                <a16:creationId xmlns:a16="http://schemas.microsoft.com/office/drawing/2014/main" id="{F9563009-E30B-45AC-BDD7-44EA72F78222}"/>
+                <a16:creationId xmlns:a16="http://schemas.microsoft.com/office/drawing/2014/main" xmlns="" id="{F9563009-E30B-45AC-BDD7-44EA72F78222}"/>
               </a:ext>
             </a:extLst>
           </p:cNvPr>
@@ -3759,7 +3761,7 @@
           <p:cNvPr id="3" name="Bildplatzhalter 2">
             <a:extLst>
               <a:ext uri="{FF2B5EF4-FFF2-40B4-BE49-F238E27FC236}">
-                <a16:creationId xmlns:a16="http://schemas.microsoft.com/office/drawing/2014/main" id="{11F2FF9F-8E72-4929-BF76-ED1330B5F674}"/>
+                <a16:creationId xmlns:a16="http://schemas.microsoft.com/office/drawing/2014/main" xmlns="" id="{11F2FF9F-8E72-4929-BF76-ED1330B5F674}"/>
               </a:ext>
             </a:extLst>
           </p:cNvPr>
@@ -3826,7 +3828,7 @@
           <p:cNvPr id="4" name="Textplatzhalter 3">
             <a:extLst>
               <a:ext uri="{FF2B5EF4-FFF2-40B4-BE49-F238E27FC236}">
-                <a16:creationId xmlns:a16="http://schemas.microsoft.com/office/drawing/2014/main" id="{4A21AA90-B6A3-4F03-A71E-8D4EFEBB4E8A}"/>
+                <a16:creationId xmlns:a16="http://schemas.microsoft.com/office/drawing/2014/main" xmlns="" id="{4A21AA90-B6A3-4F03-A71E-8D4EFEBB4E8A}"/>
               </a:ext>
             </a:extLst>
           </p:cNvPr>
@@ -3897,7 +3899,7 @@
           <p:cNvPr id="5" name="Datumsplatzhalter 4">
             <a:extLst>
               <a:ext uri="{FF2B5EF4-FFF2-40B4-BE49-F238E27FC236}">
-                <a16:creationId xmlns:a16="http://schemas.microsoft.com/office/drawing/2014/main" id="{B9A970BA-F10E-430D-9B5F-218F0B6AAD68}"/>
+                <a16:creationId xmlns:a16="http://schemas.microsoft.com/office/drawing/2014/main" xmlns="" id="{B9A970BA-F10E-430D-9B5F-218F0B6AAD68}"/>
               </a:ext>
             </a:extLst>
           </p:cNvPr>
@@ -3915,7 +3917,7 @@
           <a:p>
             <a:fld id="{D652A3BE-F7B5-4A63-8062-DDAA4613127D}" type="datetime1">
               <a:rPr lang="de-DE" smtClean="0"/>
-              <a:t>10.03.2020</a:t>
+              <a:t>14.03.2020</a:t>
             </a:fld>
             <a:endParaRPr lang="de-DE"/>
           </a:p>
@@ -3926,7 +3928,7 @@
           <p:cNvPr id="6" name="Fußzeilenplatzhalter 5">
             <a:extLst>
               <a:ext uri="{FF2B5EF4-FFF2-40B4-BE49-F238E27FC236}">
-                <a16:creationId xmlns:a16="http://schemas.microsoft.com/office/drawing/2014/main" id="{A141BF1C-61CE-44FF-8ABE-F08D6373AD97}"/>
+                <a16:creationId xmlns:a16="http://schemas.microsoft.com/office/drawing/2014/main" xmlns="" id="{A141BF1C-61CE-44FF-8ABE-F08D6373AD97}"/>
               </a:ext>
             </a:extLst>
           </p:cNvPr>
@@ -3959,7 +3961,7 @@
           <p:cNvPr id="7" name="Foliennummernplatzhalter 6">
             <a:extLst>
               <a:ext uri="{FF2B5EF4-FFF2-40B4-BE49-F238E27FC236}">
-                <a16:creationId xmlns:a16="http://schemas.microsoft.com/office/drawing/2014/main" id="{E76983E8-6FBA-42E6-85DE-B77806E23CA0}"/>
+                <a16:creationId xmlns:a16="http://schemas.microsoft.com/office/drawing/2014/main" xmlns="" id="{E76983E8-6FBA-42E6-85DE-B77806E23CA0}"/>
               </a:ext>
             </a:extLst>
           </p:cNvPr>
@@ -3985,7 +3987,7 @@
           <a:p>
             <a:fld id="{9A48FC86-4651-46AF-9E4A-D3FC30E17613}" type="slidenum">
               <a:rPr lang="de-DE" smtClean="0"/>
-              <a:t>‹Nr.›</a:t>
+              <a:t>‹N°›</a:t>
             </a:fld>
             <a:endParaRPr lang="de-DE"/>
           </a:p>
@@ -4031,7 +4033,7 @@
           <p:cNvPr id="2" name="Titelplatzhalter 1">
             <a:extLst>
               <a:ext uri="{FF2B5EF4-FFF2-40B4-BE49-F238E27FC236}">
-                <a16:creationId xmlns:a16="http://schemas.microsoft.com/office/drawing/2014/main" id="{F1B54F3D-85D6-4E2A-A184-2AD8788616C7}"/>
+                <a16:creationId xmlns:a16="http://schemas.microsoft.com/office/drawing/2014/main" xmlns="" id="{F1B54F3D-85D6-4E2A-A184-2AD8788616C7}"/>
               </a:ext>
             </a:extLst>
           </p:cNvPr>
@@ -4069,7 +4071,7 @@
           <p:cNvPr id="3" name="Textplatzhalter 2">
             <a:extLst>
               <a:ext uri="{FF2B5EF4-FFF2-40B4-BE49-F238E27FC236}">
-                <a16:creationId xmlns:a16="http://schemas.microsoft.com/office/drawing/2014/main" id="{62C62B55-DAE8-4571-9836-D8A9517A6717}"/>
+                <a16:creationId xmlns:a16="http://schemas.microsoft.com/office/drawing/2014/main" xmlns="" id="{62C62B55-DAE8-4571-9836-D8A9517A6717}"/>
               </a:ext>
             </a:extLst>
           </p:cNvPr>
@@ -4136,7 +4138,7 @@
           <p:cNvPr id="4" name="Datumsplatzhalter 3">
             <a:extLst>
               <a:ext uri="{FF2B5EF4-FFF2-40B4-BE49-F238E27FC236}">
-                <a16:creationId xmlns:a16="http://schemas.microsoft.com/office/drawing/2014/main" id="{202396F9-D19B-4197-A727-060829339B6B}"/>
+                <a16:creationId xmlns:a16="http://schemas.microsoft.com/office/drawing/2014/main" xmlns="" id="{202396F9-D19B-4197-A727-060829339B6B}"/>
               </a:ext>
             </a:extLst>
           </p:cNvPr>
@@ -4172,7 +4174,7 @@
           <a:p>
             <a:fld id="{021D039D-3FEB-4CB2-8AA5-58331A7224C8}" type="datetime1">
               <a:rPr lang="de-DE" smtClean="0"/>
-              <a:t>10.03.2020</a:t>
+              <a:t>14.03.2020</a:t>
             </a:fld>
             <a:endParaRPr lang="de-DE" dirty="0"/>
           </a:p>
@@ -4183,7 +4185,7 @@
           <p:cNvPr id="5" name="Fußzeilenplatzhalter 4">
             <a:extLst>
               <a:ext uri="{FF2B5EF4-FFF2-40B4-BE49-F238E27FC236}">
-                <a16:creationId xmlns:a16="http://schemas.microsoft.com/office/drawing/2014/main" id="{B1EA6A1B-5C13-45F1-9B85-4169FD91138A}"/>
+                <a16:creationId xmlns:a16="http://schemas.microsoft.com/office/drawing/2014/main" xmlns="" id="{B1EA6A1B-5C13-45F1-9B85-4169FD91138A}"/>
               </a:ext>
             </a:extLst>
           </p:cNvPr>
@@ -4234,7 +4236,7 @@
           <p:cNvPr id="7" name="Grafik 6">
             <a:extLst>
               <a:ext uri="{FF2B5EF4-FFF2-40B4-BE49-F238E27FC236}">
-                <a16:creationId xmlns:a16="http://schemas.microsoft.com/office/drawing/2014/main" id="{C59B35B2-0CE6-4FF9-984D-F5719598069C}"/>
+                <a16:creationId xmlns:a16="http://schemas.microsoft.com/office/drawing/2014/main" xmlns="" id="{C59B35B2-0CE6-4FF9-984D-F5719598069C}"/>
               </a:ext>
             </a:extLst>
           </p:cNvPr>
@@ -4244,7 +4246,7 @@
           <p:nvPr userDrawn="1"/>
         </p:nvPicPr>
         <p:blipFill>
-          <a:blip r:embed="rId13">
+          <a:blip r:embed="rId13" cstate="print">
             <a:extLst>
               <a:ext uri="{28A0092B-C50C-407E-A947-70E740481C1C}">
                 <a14:useLocalDpi xmlns:a14="http://schemas.microsoft.com/office/drawing/2010/main" val="0"/>
@@ -4270,7 +4272,7 @@
           <p:cNvPr id="8" name="Foliennummernplatzhalter 7">
             <a:extLst>
               <a:ext uri="{FF2B5EF4-FFF2-40B4-BE49-F238E27FC236}">
-                <a16:creationId xmlns:a16="http://schemas.microsoft.com/office/drawing/2014/main" id="{8B9E18AC-CAF1-4471-BF04-547435D80DDB}"/>
+                <a16:creationId xmlns:a16="http://schemas.microsoft.com/office/drawing/2014/main" xmlns="" id="{8B9E18AC-CAF1-4471-BF04-547435D80DDB}"/>
               </a:ext>
             </a:extLst>
           </p:cNvPr>
@@ -4306,7 +4308,7 @@
           <a:p>
             <a:fld id="{5999A4A4-2D96-49E3-B364-04D265390CD4}" type="slidenum">
               <a:rPr lang="de-DE" smtClean="0"/>
-              <a:t>‹Nr.›</a:t>
+              <a:t>‹N°›</a:t>
             </a:fld>
             <a:endParaRPr lang="de-DE"/>
           </a:p>
@@ -4639,7 +4641,7 @@
           <p:cNvPr id="2" name="Titel 1">
             <a:extLst>
               <a:ext uri="{FF2B5EF4-FFF2-40B4-BE49-F238E27FC236}">
-                <a16:creationId xmlns:a16="http://schemas.microsoft.com/office/drawing/2014/main" id="{19B6AC69-F81D-4459-ACD2-8110FA9FCE24}"/>
+                <a16:creationId xmlns:a16="http://schemas.microsoft.com/office/drawing/2014/main" xmlns="" id="{19B6AC69-F81D-4459-ACD2-8110FA9FCE24}"/>
               </a:ext>
             </a:extLst>
           </p:cNvPr>
@@ -4667,7 +4669,7 @@
           <p:cNvPr id="3" name="Untertitel 2">
             <a:extLst>
               <a:ext uri="{FF2B5EF4-FFF2-40B4-BE49-F238E27FC236}">
-                <a16:creationId xmlns:a16="http://schemas.microsoft.com/office/drawing/2014/main" id="{13737FBA-E6BC-4517-8A74-4336C01F7072}"/>
+                <a16:creationId xmlns:a16="http://schemas.microsoft.com/office/drawing/2014/main" xmlns="" id="{13737FBA-E6BC-4517-8A74-4336C01F7072}"/>
               </a:ext>
             </a:extLst>
           </p:cNvPr>
@@ -4768,7 +4770,7 @@
           <p:cNvPr id="2" name="Titel 1">
             <a:extLst>
               <a:ext uri="{FF2B5EF4-FFF2-40B4-BE49-F238E27FC236}">
-                <a16:creationId xmlns:a16="http://schemas.microsoft.com/office/drawing/2014/main" id="{B8A03A1C-3C7D-4F08-AA46-CCF513DED4F6}"/>
+                <a16:creationId xmlns:a16="http://schemas.microsoft.com/office/drawing/2014/main" xmlns="" id="{B8A03A1C-3C7D-4F08-AA46-CCF513DED4F6}"/>
               </a:ext>
             </a:extLst>
           </p:cNvPr>
@@ -4796,7 +4798,7 @@
           <p:cNvPr id="3" name="Inhaltsplatzhalter 2">
             <a:extLst>
               <a:ext uri="{FF2B5EF4-FFF2-40B4-BE49-F238E27FC236}">
-                <a16:creationId xmlns:a16="http://schemas.microsoft.com/office/drawing/2014/main" id="{4A9903FB-8364-4E7B-8B22-DE3FC68F46A0}"/>
+                <a16:creationId xmlns:a16="http://schemas.microsoft.com/office/drawing/2014/main" xmlns="" id="{4A9903FB-8364-4E7B-8B22-DE3FC68F46A0}"/>
               </a:ext>
             </a:extLst>
           </p:cNvPr>
@@ -4821,15 +4823,27 @@
           </a:p>
           <a:p>
             <a:r>
+              <a:rPr lang="en-US" dirty="0" smtClean="0"/>
+              <a:t>Techniques</a:t>
+            </a:r>
+            <a:endParaRPr lang="en-US" dirty="0"/>
+          </a:p>
+          <a:p>
+            <a:r>
               <a:rPr lang="en-US" dirty="0"/>
-              <a:t>Technique</a:t>
-            </a:r>
-          </a:p>
-          <a:p>
-            <a:r>
-              <a:rPr lang="en-US" dirty="0"/>
-              <a:t>Actual State</a:t>
-            </a:r>
+              <a:t>Actual </a:t>
+            </a:r>
+            <a:r>
+              <a:rPr lang="en-US" dirty="0" smtClean="0"/>
+              <a:t>State</a:t>
+            </a:r>
+          </a:p>
+          <a:p>
+            <a:r>
+              <a:rPr lang="en-US" dirty="0" smtClean="0"/>
+              <a:t>Outlook</a:t>
+            </a:r>
+            <a:endParaRPr lang="en-US" dirty="0"/>
           </a:p>
         </p:txBody>
       </p:sp>
@@ -4838,7 +4852,7 @@
           <p:cNvPr id="4" name="Datumsplatzhalter 3">
             <a:extLst>
               <a:ext uri="{FF2B5EF4-FFF2-40B4-BE49-F238E27FC236}">
-                <a16:creationId xmlns:a16="http://schemas.microsoft.com/office/drawing/2014/main" id="{0EE0CED9-646A-4EAD-8D37-D57176C9782D}"/>
+                <a16:creationId xmlns:a16="http://schemas.microsoft.com/office/drawing/2014/main" xmlns="" id="{0EE0CED9-646A-4EAD-8D37-D57176C9782D}"/>
               </a:ext>
             </a:extLst>
           </p:cNvPr>
@@ -4856,7 +4870,7 @@
           <a:p>
             <a:fld id="{C6223174-C04E-4692-B781-48D66986E0F3}" type="datetime1">
               <a:rPr lang="de-DE" smtClean="0"/>
-              <a:t>10.03.2020</a:t>
+              <a:t>14.03.2020</a:t>
             </a:fld>
             <a:endParaRPr lang="de-DE"/>
           </a:p>
@@ -4867,7 +4881,7 @@
           <p:cNvPr id="5" name="Fußzeilenplatzhalter 4">
             <a:extLst>
               <a:ext uri="{FF2B5EF4-FFF2-40B4-BE49-F238E27FC236}">
-                <a16:creationId xmlns:a16="http://schemas.microsoft.com/office/drawing/2014/main" id="{2C64776A-0A1D-45E5-8EFB-55A8CACA0550}"/>
+                <a16:creationId xmlns:a16="http://schemas.microsoft.com/office/drawing/2014/main" xmlns="" id="{2C64776A-0A1D-45E5-8EFB-55A8CACA0550}"/>
               </a:ext>
             </a:extLst>
           </p:cNvPr>
@@ -4900,7 +4914,7 @@
           <p:cNvPr id="7" name="Foliennummernplatzhalter 6">
             <a:extLst>
               <a:ext uri="{FF2B5EF4-FFF2-40B4-BE49-F238E27FC236}">
-                <a16:creationId xmlns:a16="http://schemas.microsoft.com/office/drawing/2014/main" id="{402A303F-A077-40A3-AFAC-E5A88D4E408E}"/>
+                <a16:creationId xmlns:a16="http://schemas.microsoft.com/office/drawing/2014/main" xmlns="" id="{402A303F-A077-40A3-AFAC-E5A88D4E408E}"/>
               </a:ext>
             </a:extLst>
           </p:cNvPr>
@@ -4959,7 +4973,7 @@
           <p:cNvPr id="2" name="Titel 1">
             <a:extLst>
               <a:ext uri="{FF2B5EF4-FFF2-40B4-BE49-F238E27FC236}">
-                <a16:creationId xmlns:a16="http://schemas.microsoft.com/office/drawing/2014/main" id="{1C64D8FD-BA5C-45B1-810C-36FFFDA97906}"/>
+                <a16:creationId xmlns:a16="http://schemas.microsoft.com/office/drawing/2014/main" xmlns="" id="{1C64D8FD-BA5C-45B1-810C-36FFFDA97906}"/>
               </a:ext>
             </a:extLst>
           </p:cNvPr>
@@ -4987,7 +5001,7 @@
           <p:cNvPr id="4" name="Datumsplatzhalter 3">
             <a:extLst>
               <a:ext uri="{FF2B5EF4-FFF2-40B4-BE49-F238E27FC236}">
-                <a16:creationId xmlns:a16="http://schemas.microsoft.com/office/drawing/2014/main" id="{AEC1CD3A-D031-4D57-A66B-86436ABA6991}"/>
+                <a16:creationId xmlns:a16="http://schemas.microsoft.com/office/drawing/2014/main" xmlns="" id="{AEC1CD3A-D031-4D57-A66B-86436ABA6991}"/>
               </a:ext>
             </a:extLst>
           </p:cNvPr>
@@ -5005,7 +5019,7 @@
           <a:p>
             <a:fld id="{C0D11AC0-B5D5-4B5F-9ECB-B7E6CF8984ED}" type="datetime1">
               <a:rPr lang="de-DE" smtClean="0"/>
-              <a:t>10.03.2020</a:t>
+              <a:t>14.03.2020</a:t>
             </a:fld>
             <a:endParaRPr lang="de-DE"/>
           </a:p>
@@ -5016,7 +5030,7 @@
           <p:cNvPr id="5" name="Fußzeilenplatzhalter 4">
             <a:extLst>
               <a:ext uri="{FF2B5EF4-FFF2-40B4-BE49-F238E27FC236}">
-                <a16:creationId xmlns:a16="http://schemas.microsoft.com/office/drawing/2014/main" id="{7A130A1B-CB56-4533-863E-EBDF945888CE}"/>
+                <a16:creationId xmlns:a16="http://schemas.microsoft.com/office/drawing/2014/main" xmlns="" id="{7A130A1B-CB56-4533-863E-EBDF945888CE}"/>
               </a:ext>
             </a:extLst>
           </p:cNvPr>
@@ -5049,7 +5063,7 @@
           <p:cNvPr id="6" name="Foliennummernplatzhalter 5">
             <a:extLst>
               <a:ext uri="{FF2B5EF4-FFF2-40B4-BE49-F238E27FC236}">
-                <a16:creationId xmlns:a16="http://schemas.microsoft.com/office/drawing/2014/main" id="{EAE8292D-E0FC-40A8-A39D-326D0A79F21D}"/>
+                <a16:creationId xmlns:a16="http://schemas.microsoft.com/office/drawing/2014/main" xmlns="" id="{EAE8292D-E0FC-40A8-A39D-326D0A79F21D}"/>
               </a:ext>
             </a:extLst>
           </p:cNvPr>
@@ -5078,7 +5092,7 @@
           <p:cNvPr id="8" name="Grafik 7">
             <a:extLst>
               <a:ext uri="{FF2B5EF4-FFF2-40B4-BE49-F238E27FC236}">
-                <a16:creationId xmlns:a16="http://schemas.microsoft.com/office/drawing/2014/main" id="{46E94601-ABF4-489E-9B2E-F241F1293F93}"/>
+                <a16:creationId xmlns:a16="http://schemas.microsoft.com/office/drawing/2014/main" xmlns="" id="{46E94601-ABF4-489E-9B2E-F241F1293F93}"/>
               </a:ext>
             </a:extLst>
           </p:cNvPr>
@@ -5144,7 +5158,7 @@
           <p:cNvPr id="2" name="Titel 1">
             <a:extLst>
               <a:ext uri="{FF2B5EF4-FFF2-40B4-BE49-F238E27FC236}">
-                <a16:creationId xmlns:a16="http://schemas.microsoft.com/office/drawing/2014/main" id="{64717F65-2D32-4253-998B-BAC553E34E2E}"/>
+                <a16:creationId xmlns:a16="http://schemas.microsoft.com/office/drawing/2014/main" xmlns="" id="{64717F65-2D32-4253-998B-BAC553E34E2E}"/>
               </a:ext>
             </a:extLst>
           </p:cNvPr>
@@ -5161,9 +5175,10 @@
           <a:lstStyle/>
           <a:p>
             <a:r>
-              <a:rPr lang="en-US" dirty="0"/>
-              <a:t>Technique</a:t>
-            </a:r>
+              <a:rPr lang="en-US" dirty="0" smtClean="0"/>
+              <a:t>Techniques</a:t>
+            </a:r>
+            <a:endParaRPr lang="en-US" dirty="0"/>
           </a:p>
         </p:txBody>
       </p:sp>
@@ -5172,7 +5187,7 @@
           <p:cNvPr id="3" name="Inhaltsplatzhalter 2">
             <a:extLst>
               <a:ext uri="{FF2B5EF4-FFF2-40B4-BE49-F238E27FC236}">
-                <a16:creationId xmlns:a16="http://schemas.microsoft.com/office/drawing/2014/main" id="{C3C4D91C-BC37-4BEC-B094-7EC829D0F4EE}"/>
+                <a16:creationId xmlns:a16="http://schemas.microsoft.com/office/drawing/2014/main" xmlns="" id="{C3C4D91C-BC37-4BEC-B094-7EC829D0F4EE}"/>
               </a:ext>
             </a:extLst>
           </p:cNvPr>
@@ -5195,8 +5210,21 @@
           </a:p>
           <a:p>
             <a:r>
-              <a:rPr lang="de-DE" dirty="0" err="1"/>
-              <a:t>Tensorflow</a:t>
+              <a:rPr lang="de-DE" dirty="0" err="1" smtClean="0"/>
+              <a:t>TensorFlow</a:t>
+            </a:r>
+            <a:endParaRPr lang="de-DE" dirty="0" smtClean="0"/>
+          </a:p>
+          <a:p>
+            <a:r>
+              <a:rPr lang="en-US" dirty="0" smtClean="0"/>
+              <a:t>Scrum</a:t>
+            </a:r>
+          </a:p>
+          <a:p>
+            <a:r>
+              <a:rPr lang="en-US" dirty="0" err="1" smtClean="0"/>
+              <a:t>Git</a:t>
             </a:r>
             <a:endParaRPr lang="de-DE" dirty="0"/>
           </a:p>
@@ -5213,7 +5241,7 @@
           <p:cNvPr id="4" name="Datumsplatzhalter 3">
             <a:extLst>
               <a:ext uri="{FF2B5EF4-FFF2-40B4-BE49-F238E27FC236}">
-                <a16:creationId xmlns:a16="http://schemas.microsoft.com/office/drawing/2014/main" id="{97B20F51-4EF8-4878-8A9C-D3EB3EDA2BC7}"/>
+                <a16:creationId xmlns:a16="http://schemas.microsoft.com/office/drawing/2014/main" xmlns="" id="{97B20F51-4EF8-4878-8A9C-D3EB3EDA2BC7}"/>
               </a:ext>
             </a:extLst>
           </p:cNvPr>
@@ -5231,7 +5259,7 @@
           <a:p>
             <a:fld id="{C0D11AC0-B5D5-4B5F-9ECB-B7E6CF8984ED}" type="datetime1">
               <a:rPr lang="de-DE" smtClean="0"/>
-              <a:t>10.03.2020</a:t>
+              <a:t>14.03.2020</a:t>
             </a:fld>
             <a:endParaRPr lang="de-DE"/>
           </a:p>
@@ -5242,7 +5270,7 @@
           <p:cNvPr id="5" name="Fußzeilenplatzhalter 4">
             <a:extLst>
               <a:ext uri="{FF2B5EF4-FFF2-40B4-BE49-F238E27FC236}">
-                <a16:creationId xmlns:a16="http://schemas.microsoft.com/office/drawing/2014/main" id="{DEC090AC-76AC-4E71-B765-6BEC3161568F}"/>
+                <a16:creationId xmlns:a16="http://schemas.microsoft.com/office/drawing/2014/main" xmlns="" id="{DEC090AC-76AC-4E71-B765-6BEC3161568F}"/>
               </a:ext>
             </a:extLst>
           </p:cNvPr>
@@ -5271,7 +5299,7 @@
           <p:cNvPr id="6" name="Foliennummernplatzhalter 5">
             <a:extLst>
               <a:ext uri="{FF2B5EF4-FFF2-40B4-BE49-F238E27FC236}">
-                <a16:creationId xmlns:a16="http://schemas.microsoft.com/office/drawing/2014/main" id="{1C3224C9-EA0E-4B20-9817-5F380871A984}"/>
+                <a16:creationId xmlns:a16="http://schemas.microsoft.com/office/drawing/2014/main" xmlns="" id="{1C3224C9-EA0E-4B20-9817-5F380871A984}"/>
               </a:ext>
             </a:extLst>
           </p:cNvPr>
@@ -5330,7 +5358,7 @@
           <p:cNvPr id="2" name="Titel 1">
             <a:extLst>
               <a:ext uri="{FF2B5EF4-FFF2-40B4-BE49-F238E27FC236}">
-                <a16:creationId xmlns:a16="http://schemas.microsoft.com/office/drawing/2014/main" id="{676F7336-06B1-4832-991F-16E4FEFD60EC}"/>
+                <a16:creationId xmlns:a16="http://schemas.microsoft.com/office/drawing/2014/main" xmlns="" id="{676F7336-06B1-4832-991F-16E4FEFD60EC}"/>
               </a:ext>
             </a:extLst>
           </p:cNvPr>
@@ -5362,7 +5390,7 @@
           <p:cNvPr id="8" name="Inhaltsplatzhalter 7">
             <a:extLst>
               <a:ext uri="{FF2B5EF4-FFF2-40B4-BE49-F238E27FC236}">
-                <a16:creationId xmlns:a16="http://schemas.microsoft.com/office/drawing/2014/main" id="{37E067AB-B999-42D3-BEB3-260145DFB47D}"/>
+                <a16:creationId xmlns:a16="http://schemas.microsoft.com/office/drawing/2014/main" xmlns="" id="{37E067AB-B999-42D3-BEB3-260145DFB47D}"/>
               </a:ext>
             </a:extLst>
           </p:cNvPr>
@@ -5397,7 +5425,7 @@
           <p:cNvPr id="4" name="Datumsplatzhalter 3">
             <a:extLst>
               <a:ext uri="{FF2B5EF4-FFF2-40B4-BE49-F238E27FC236}">
-                <a16:creationId xmlns:a16="http://schemas.microsoft.com/office/drawing/2014/main" id="{8D583B0B-6F4D-4731-903A-0CD03C083B35}"/>
+                <a16:creationId xmlns:a16="http://schemas.microsoft.com/office/drawing/2014/main" xmlns="" id="{8D583B0B-6F4D-4731-903A-0CD03C083B35}"/>
               </a:ext>
             </a:extLst>
           </p:cNvPr>
@@ -5415,7 +5443,7 @@
           <a:p>
             <a:fld id="{C0D11AC0-B5D5-4B5F-9ECB-B7E6CF8984ED}" type="datetime1">
               <a:rPr lang="de-DE" smtClean="0"/>
-              <a:t>10.03.2020</a:t>
+              <a:t>14.03.2020</a:t>
             </a:fld>
             <a:endParaRPr lang="de-DE"/>
           </a:p>
@@ -5426,7 +5454,7 @@
           <p:cNvPr id="5" name="Fußzeilenplatzhalter 4">
             <a:extLst>
               <a:ext uri="{FF2B5EF4-FFF2-40B4-BE49-F238E27FC236}">
-                <a16:creationId xmlns:a16="http://schemas.microsoft.com/office/drawing/2014/main" id="{33B2E02E-073A-4EFF-928C-DF0341B983E3}"/>
+                <a16:creationId xmlns:a16="http://schemas.microsoft.com/office/drawing/2014/main" xmlns="" id="{33B2E02E-073A-4EFF-928C-DF0341B983E3}"/>
               </a:ext>
             </a:extLst>
           </p:cNvPr>
@@ -5455,7 +5483,7 @@
           <p:cNvPr id="6" name="Foliennummernplatzhalter 5">
             <a:extLst>
               <a:ext uri="{FF2B5EF4-FFF2-40B4-BE49-F238E27FC236}">
-                <a16:creationId xmlns:a16="http://schemas.microsoft.com/office/drawing/2014/main" id="{FE08E6E6-AE5C-4DD9-966F-280E23948EF3}"/>
+                <a16:creationId xmlns:a16="http://schemas.microsoft.com/office/drawing/2014/main" xmlns="" id="{FE08E6E6-AE5C-4DD9-966F-280E23948EF3}"/>
               </a:ext>
             </a:extLst>
           </p:cNvPr>
@@ -5511,10 +5539,208 @@
       </p:grpSpPr>
       <p:sp>
         <p:nvSpPr>
+          <p:cNvPr id="2" name="Titre 1"/>
+          <p:cNvSpPr>
+            <a:spLocks noGrp="1"/>
+          </p:cNvSpPr>
+          <p:nvPr>
+            <p:ph type="title"/>
+          </p:nvPr>
+        </p:nvSpPr>
+        <p:spPr/>
+        <p:txBody>
+          <a:bodyPr/>
+          <a:lstStyle/>
+          <a:p>
+            <a:r>
+              <a:rPr lang="en-US" dirty="0"/>
+              <a:t>Outlook</a:t>
+            </a:r>
+            <a:endParaRPr lang="en-US" dirty="0"/>
+          </a:p>
+        </p:txBody>
+      </p:sp>
+      <p:sp>
+        <p:nvSpPr>
+          <p:cNvPr id="3" name="Espace réservé du contenu 2"/>
+          <p:cNvSpPr>
+            <a:spLocks noGrp="1"/>
+          </p:cNvSpPr>
+          <p:nvPr>
+            <p:ph idx="1"/>
+          </p:nvPr>
+        </p:nvSpPr>
+        <p:spPr/>
+        <p:txBody>
+          <a:bodyPr/>
+          <a:lstStyle/>
+          <a:p>
+            <a:pPr marL="0" indent="0">
+              <a:buNone/>
+            </a:pPr>
+            <a:r>
+              <a:rPr lang="en-US" dirty="0"/>
+              <a:t>•Test different </a:t>
+            </a:r>
+            <a:r>
+              <a:rPr lang="en-US" dirty="0" smtClean="0"/>
+              <a:t>parameters (activation functions</a:t>
+            </a:r>
+            <a:r>
+              <a:rPr lang="en-US" dirty="0"/>
+              <a:t>, optimizers</a:t>
+            </a:r>
+            <a:r>
+              <a:rPr lang="en-US" dirty="0" smtClean="0"/>
+              <a:t>)</a:t>
+            </a:r>
+          </a:p>
+          <a:p>
+            <a:pPr marL="0" indent="0">
+              <a:buNone/>
+            </a:pPr>
+            <a:r>
+              <a:rPr lang="en-US" dirty="0" smtClean="0"/>
+              <a:t>•</a:t>
+            </a:r>
+            <a:r>
+              <a:rPr lang="en-US" dirty="0"/>
+              <a:t>Test different </a:t>
+            </a:r>
+            <a:r>
+              <a:rPr lang="en-US" dirty="0" smtClean="0"/>
+              <a:t>modeling techniques</a:t>
+            </a:r>
+            <a:r>
+              <a:rPr lang="en-US" dirty="0"/>
+              <a:t>: </a:t>
+            </a:r>
+            <a:r>
+              <a:rPr lang="en-US" dirty="0" smtClean="0"/>
+              <a:t>Logistic Regression</a:t>
+            </a:r>
+          </a:p>
+          <a:p>
+            <a:pPr marL="0" indent="0">
+              <a:buNone/>
+            </a:pPr>
+            <a:r>
+              <a:rPr lang="en-US" dirty="0" smtClean="0"/>
+              <a:t>•Test </a:t>
+            </a:r>
+            <a:r>
+              <a:rPr lang="en-US" dirty="0"/>
+              <a:t>different features</a:t>
+            </a:r>
+            <a:endParaRPr lang="en-US" dirty="0"/>
+          </a:p>
+        </p:txBody>
+      </p:sp>
+      <p:sp>
+        <p:nvSpPr>
+          <p:cNvPr id="4" name="Espace réservé de la date 3"/>
+          <p:cNvSpPr>
+            <a:spLocks noGrp="1"/>
+          </p:cNvSpPr>
+          <p:nvPr>
+            <p:ph type="dt" sz="half" idx="10"/>
+          </p:nvPr>
+        </p:nvSpPr>
+        <p:spPr/>
+        <p:txBody>
+          <a:bodyPr/>
+          <a:lstStyle/>
+          <a:p>
+            <a:fld id="{C0D11AC0-B5D5-4B5F-9ECB-B7E6CF8984ED}" type="datetime1">
+              <a:rPr lang="de-DE" smtClean="0"/>
+              <a:t>14.03.2020</a:t>
+            </a:fld>
+            <a:endParaRPr lang="de-DE"/>
+          </a:p>
+        </p:txBody>
+      </p:sp>
+      <p:sp>
+        <p:nvSpPr>
+          <p:cNvPr id="5" name="Espace réservé du pied de page 4"/>
+          <p:cNvSpPr>
+            <a:spLocks noGrp="1"/>
+          </p:cNvSpPr>
+          <p:nvPr>
+            <p:ph type="ftr" sz="quarter" idx="11"/>
+          </p:nvPr>
+        </p:nvSpPr>
+        <p:spPr/>
+        <p:txBody>
+          <a:bodyPr/>
+          <a:lstStyle/>
+          <a:p>
+            <a:r>
+              <a:rPr lang="de-DE" smtClean="0"/>
+              <a:t>Lisa Boos, Khaled Jallouli</a:t>
+            </a:r>
+            <a:endParaRPr lang="de-DE" dirty="0"/>
+          </a:p>
+        </p:txBody>
+      </p:sp>
+      <p:sp>
+        <p:nvSpPr>
+          <p:cNvPr id="6" name="Espace réservé du numéro de diapositive 5"/>
+          <p:cNvSpPr>
+            <a:spLocks noGrp="1"/>
+          </p:cNvSpPr>
+          <p:nvPr>
+            <p:ph type="sldNum" sz="quarter" idx="12"/>
+          </p:nvPr>
+        </p:nvSpPr>
+        <p:spPr/>
+        <p:txBody>
+          <a:bodyPr/>
+          <a:lstStyle/>
+          <a:p>
+            <a:fld id="{9A48FC86-4651-46AF-9E4A-D3FC30E17613}" type="slidenum">
+              <a:rPr lang="de-DE" smtClean="0"/>
+              <a:t>6</a:t>
+            </a:fld>
+            <a:endParaRPr lang="de-DE"/>
+          </a:p>
+        </p:txBody>
+      </p:sp>
+    </p:spTree>
+    <p:extLst>
+      <p:ext uri="{BB962C8B-B14F-4D97-AF65-F5344CB8AC3E}">
+        <p14:creationId xmlns:p14="http://schemas.microsoft.com/office/powerpoint/2010/main" val="1782934502"/>
+      </p:ext>
+    </p:extLst>
+  </p:cSld>
+  <p:clrMapOvr>
+    <a:masterClrMapping/>
+  </p:clrMapOvr>
+</p:sld>
+</file>
+
+<file path=ppt/slides/slide7.xml><?xml version="1.0" encoding="utf-8"?>
+<p:sld xmlns:a="http://schemas.openxmlformats.org/drawingml/2006/main" xmlns:r="http://schemas.openxmlformats.org/officeDocument/2006/relationships" xmlns:p="http://schemas.openxmlformats.org/presentationml/2006/main">
+  <p:cSld>
+    <p:spTree>
+      <p:nvGrpSpPr>
+        <p:cNvPr id="1" name=""/>
+        <p:cNvGrpSpPr/>
+        <p:nvPr/>
+      </p:nvGrpSpPr>
+      <p:grpSpPr>
+        <a:xfrm>
+          <a:off x="0" y="0"/>
+          <a:ext cx="0" cy="0"/>
+          <a:chOff x="0" y="0"/>
+          <a:chExt cx="0" cy="0"/>
+        </a:xfrm>
+      </p:grpSpPr>
+      <p:sp>
+        <p:nvSpPr>
           <p:cNvPr id="2" name="Titel 1">
             <a:extLst>
               <a:ext uri="{FF2B5EF4-FFF2-40B4-BE49-F238E27FC236}">
-                <a16:creationId xmlns:a16="http://schemas.microsoft.com/office/drawing/2014/main" id="{09CFFFE8-DD6D-461A-AC27-D366B00AE896}"/>
+                <a16:creationId xmlns:a16="http://schemas.microsoft.com/office/drawing/2014/main" xmlns="" id="{09CFFFE8-DD6D-461A-AC27-D366B00AE896}"/>
               </a:ext>
             </a:extLst>
           </p:cNvPr>
